--- a/Presentation_Jang.pptx
+++ b/Presentation_Jang.pptx
@@ -15,7 +15,8 @@
     <p:sldId id="264" r:id="rId9"/>
     <p:sldId id="263" r:id="rId10"/>
     <p:sldId id="265" r:id="rId11"/>
-    <p:sldId id="266" r:id="rId12"/>
+    <p:sldId id="267" r:id="rId12"/>
+    <p:sldId id="266" r:id="rId13"/>
   </p:sldIdLst>
   <p:sldSz cx="12192000" cy="6858000"/>
   <p:notesSz cx="6858000" cy="9144000"/>
@@ -114,6 +115,11 @@
       </a:defRPr>
     </a:lvl9pPr>
   </p:defaultTextStyle>
+  <p:extLst>
+    <p:ext uri="{EFAFB233-063F-42B5-8137-9DF3F51BA10A}">
+      <p15:sldGuideLst xmlns:p15="http://schemas.microsoft.com/office/powerpoint/2012/main"/>
+    </p:ext>
+  </p:extLst>
 </p:presentation>
 </file>
 
@@ -248,7 +254,7 @@
           <a:p>
             <a:fld id="{C1FF024C-238E-7D40-9E27-5DD09A309E35}" type="datetimeFigureOut">
               <a:rPr lang="en-US" smtClean="0"/>
-              <a:t>8/1/17</a:t>
+              <a:t>8/2/17</a:t>
             </a:fld>
             <a:endParaRPr lang="en-US"/>
           </a:p>
@@ -418,7 +424,7 @@
           <a:p>
             <a:fld id="{C1FF024C-238E-7D40-9E27-5DD09A309E35}" type="datetimeFigureOut">
               <a:rPr lang="en-US" smtClean="0"/>
-              <a:t>8/1/17</a:t>
+              <a:t>8/2/17</a:t>
             </a:fld>
             <a:endParaRPr lang="en-US"/>
           </a:p>
@@ -598,7 +604,7 @@
           <a:p>
             <a:fld id="{C1FF024C-238E-7D40-9E27-5DD09A309E35}" type="datetimeFigureOut">
               <a:rPr lang="en-US" smtClean="0"/>
-              <a:t>8/1/17</a:t>
+              <a:t>8/2/17</a:t>
             </a:fld>
             <a:endParaRPr lang="en-US"/>
           </a:p>
@@ -768,7 +774,7 @@
           <a:p>
             <a:fld id="{C1FF024C-238E-7D40-9E27-5DD09A309E35}" type="datetimeFigureOut">
               <a:rPr lang="en-US" smtClean="0"/>
-              <a:t>8/1/17</a:t>
+              <a:t>8/2/17</a:t>
             </a:fld>
             <a:endParaRPr lang="en-US"/>
           </a:p>
@@ -1014,7 +1020,7 @@
           <a:p>
             <a:fld id="{C1FF024C-238E-7D40-9E27-5DD09A309E35}" type="datetimeFigureOut">
               <a:rPr lang="en-US" smtClean="0"/>
-              <a:t>8/1/17</a:t>
+              <a:t>8/2/17</a:t>
             </a:fld>
             <a:endParaRPr lang="en-US"/>
           </a:p>
@@ -1246,7 +1252,7 @@
           <a:p>
             <a:fld id="{C1FF024C-238E-7D40-9E27-5DD09A309E35}" type="datetimeFigureOut">
               <a:rPr lang="en-US" smtClean="0"/>
-              <a:t>8/1/17</a:t>
+              <a:t>8/2/17</a:t>
             </a:fld>
             <a:endParaRPr lang="en-US"/>
           </a:p>
@@ -1613,7 +1619,7 @@
           <a:p>
             <a:fld id="{C1FF024C-238E-7D40-9E27-5DD09A309E35}" type="datetimeFigureOut">
               <a:rPr lang="en-US" smtClean="0"/>
-              <a:t>8/1/17</a:t>
+              <a:t>8/2/17</a:t>
             </a:fld>
             <a:endParaRPr lang="en-US"/>
           </a:p>
@@ -1731,7 +1737,7 @@
           <a:p>
             <a:fld id="{C1FF024C-238E-7D40-9E27-5DD09A309E35}" type="datetimeFigureOut">
               <a:rPr lang="en-US" smtClean="0"/>
-              <a:t>8/1/17</a:t>
+              <a:t>8/2/17</a:t>
             </a:fld>
             <a:endParaRPr lang="en-US"/>
           </a:p>
@@ -1826,7 +1832,7 @@
           <a:p>
             <a:fld id="{C1FF024C-238E-7D40-9E27-5DD09A309E35}" type="datetimeFigureOut">
               <a:rPr lang="en-US" smtClean="0"/>
-              <a:t>8/1/17</a:t>
+              <a:t>8/2/17</a:t>
             </a:fld>
             <a:endParaRPr lang="en-US"/>
           </a:p>
@@ -2103,7 +2109,7 @@
           <a:p>
             <a:fld id="{C1FF024C-238E-7D40-9E27-5DD09A309E35}" type="datetimeFigureOut">
               <a:rPr lang="en-US" smtClean="0"/>
-              <a:t>8/1/17</a:t>
+              <a:t>8/2/17</a:t>
             </a:fld>
             <a:endParaRPr lang="en-US"/>
           </a:p>
@@ -2356,7 +2362,7 @@
           <a:p>
             <a:fld id="{C1FF024C-238E-7D40-9E27-5DD09A309E35}" type="datetimeFigureOut">
               <a:rPr lang="en-US" smtClean="0"/>
-              <a:t>8/1/17</a:t>
+              <a:t>8/2/17</a:t>
             </a:fld>
             <a:endParaRPr lang="en-US"/>
           </a:p>
@@ -2569,7 +2575,7 @@
           <a:p>
             <a:fld id="{C1FF024C-238E-7D40-9E27-5DD09A309E35}" type="datetimeFigureOut">
               <a:rPr lang="en-US" smtClean="0"/>
-              <a:t>8/1/17</a:t>
+              <a:t>8/2/17</a:t>
             </a:fld>
             <a:endParaRPr lang="en-US"/>
           </a:p>
@@ -3123,7 +3129,7 @@
       </p:grpSpPr>
       <p:pic>
         <p:nvPicPr>
-          <p:cNvPr id="4" name="Picture 3"/>
+          <p:cNvPr id="2" name="Picture 1"/>
           <p:cNvPicPr>
             <a:picLocks noChangeAspect="1"/>
           </p:cNvPicPr>
@@ -3143,8 +3149,8 @@
         </p:blipFill>
         <p:spPr>
           <a:xfrm>
-            <a:off x="150788" y="1527543"/>
-            <a:ext cx="7995685" cy="5330457"/>
+            <a:off x="0" y="1403927"/>
+            <a:ext cx="8181109" cy="5454073"/>
           </a:xfrm>
           <a:prstGeom prst="rect">
             <a:avLst/>
@@ -3153,13 +3159,13 @@
       </p:pic>
       <p:pic>
         <p:nvPicPr>
-          <p:cNvPr id="5" name="Picture 4"/>
+          <p:cNvPr id="3" name="Picture 2"/>
           <p:cNvPicPr>
             <a:picLocks noChangeAspect="1"/>
           </p:cNvPicPr>
           <p:nvPr/>
         </p:nvPicPr>
-        <p:blipFill>
+        <p:blipFill rotWithShape="1">
           <a:blip r:embed="rId3">
             <a:extLst>
               <a:ext uri="{28A0092B-C50C-407E-A947-70E740481C1C}">
@@ -3167,14 +3173,13 @@
               </a:ext>
             </a:extLst>
           </a:blip>
-          <a:stretch>
-            <a:fillRect/>
-          </a:stretch>
+          <a:srcRect r="8210" b="13793"/>
+          <a:stretch/>
         </p:blipFill>
         <p:spPr>
           <a:xfrm>
-            <a:off x="6156735" y="423719"/>
-            <a:ext cx="6035265" cy="1529772"/>
+            <a:off x="4429528" y="0"/>
+            <a:ext cx="7125164" cy="1558636"/>
           </a:xfrm>
           <a:prstGeom prst="rect">
             <a:avLst/>
@@ -3202,6 +3207,96 @@
 </file>
 
 <file path=ppt/slides/slide11.xml><?xml version="1.0" encoding="utf-8"?>
+<p:sld xmlns:a="http://schemas.openxmlformats.org/drawingml/2006/main" xmlns:r="http://schemas.openxmlformats.org/officeDocument/2006/relationships" xmlns:p="http://schemas.openxmlformats.org/presentationml/2006/main">
+  <p:cSld>
+    <p:spTree>
+      <p:nvGrpSpPr>
+        <p:cNvPr id="1" name=""/>
+        <p:cNvGrpSpPr/>
+        <p:nvPr/>
+      </p:nvGrpSpPr>
+      <p:grpSpPr>
+        <a:xfrm>
+          <a:off x="0" y="0"/>
+          <a:ext cx="0" cy="0"/>
+          <a:chOff x="0" y="0"/>
+          <a:chExt cx="0" cy="0"/>
+        </a:xfrm>
+      </p:grpSpPr>
+      <p:pic>
+        <p:nvPicPr>
+          <p:cNvPr id="4" name="Picture 3"/>
+          <p:cNvPicPr>
+            <a:picLocks noChangeAspect="1"/>
+          </p:cNvPicPr>
+          <p:nvPr/>
+        </p:nvPicPr>
+        <p:blipFill>
+          <a:blip r:embed="rId2">
+            <a:extLst>
+              <a:ext uri="{28A0092B-C50C-407E-A947-70E740481C1C}">
+                <a14:useLocalDpi xmlns:a14="http://schemas.microsoft.com/office/drawing/2010/main" val="0"/>
+              </a:ext>
+            </a:extLst>
+          </a:blip>
+          <a:stretch>
+            <a:fillRect/>
+          </a:stretch>
+        </p:blipFill>
+        <p:spPr>
+          <a:xfrm>
+            <a:off x="193964" y="1537853"/>
+            <a:ext cx="7578436" cy="5052291"/>
+          </a:xfrm>
+          <a:prstGeom prst="rect">
+            <a:avLst/>
+          </a:prstGeom>
+        </p:spPr>
+      </p:pic>
+      <p:pic>
+        <p:nvPicPr>
+          <p:cNvPr id="5" name="Picture 4"/>
+          <p:cNvPicPr>
+            <a:picLocks noChangeAspect="1"/>
+          </p:cNvPicPr>
+          <p:nvPr/>
+        </p:nvPicPr>
+        <p:blipFill>
+          <a:blip r:embed="rId3">
+            <a:extLst>
+              <a:ext uri="{28A0092B-C50C-407E-A947-70E740481C1C}">
+                <a14:useLocalDpi xmlns:a14="http://schemas.microsoft.com/office/drawing/2010/main" val="0"/>
+              </a:ext>
+            </a:extLst>
+          </a:blip>
+          <a:stretch>
+            <a:fillRect/>
+          </a:stretch>
+        </p:blipFill>
+        <p:spPr>
+          <a:xfrm>
+            <a:off x="2919845" y="0"/>
+            <a:ext cx="9272155" cy="1794611"/>
+          </a:xfrm>
+          <a:prstGeom prst="rect">
+            <a:avLst/>
+          </a:prstGeom>
+        </p:spPr>
+      </p:pic>
+    </p:spTree>
+    <p:extLst>
+      <p:ext uri="{BB962C8B-B14F-4D97-AF65-F5344CB8AC3E}">
+        <p14:creationId xmlns:p14="http://schemas.microsoft.com/office/powerpoint/2010/main" val="1570558947"/>
+      </p:ext>
+    </p:extLst>
+  </p:cSld>
+  <p:clrMapOvr>
+    <a:masterClrMapping/>
+  </p:clrMapOvr>
+</p:sld>
+</file>
+
+<file path=ppt/slides/slide12.xml><?xml version="1.0" encoding="utf-8"?>
 <p:sld xmlns:a="http://schemas.openxmlformats.org/drawingml/2006/main" xmlns:r="http://schemas.openxmlformats.org/officeDocument/2006/relationships" xmlns:p="http://schemas.openxmlformats.org/presentationml/2006/main">
   <p:cSld>
     <p:spTree>
